--- a/study/Nam/[Nam] IntroductionAI_02.Regression.pptx
+++ b/study/Nam/[Nam] IntroductionAI_02.Regression.pptx
@@ -4826,7 +4826,7 @@
         <p:spPr>
           <a:xfrm>
             <a:off x="1055440" y="1247173"/>
-            <a:ext cx="5616625" cy="1789397"/>
+            <a:ext cx="5616625" cy="1151222"/>
           </a:xfrm>
           <a:prstGeom prst="rect">
             <a:avLst/>
@@ -4866,9 +4866,65 @@
                 <a:ea typeface="맑은 고딕"/>
                 <a:cs typeface="+mn-cs"/>
               </a:rPr>
-              <a:t>Introduction to AI</a:t>
+              <a:t>Linear Regression</a:t>
             </a:r>
             <a:endParaRPr kumimoji="0" lang="en-US" altLang="ko-KR" sz="1400" b="1" i="0" u="none" strike="noStrike" kern="1200" cap="none" spc="0" normalizeH="0" baseline="0">
+              <a:solidFill>
+                <a:prstClr val="black"/>
+              </a:solidFill>
+              <a:effectLst/>
+              <a:uLnTx/>
+              <a:uFillTx/>
+              <a:latin typeface="맑은 고딕"/>
+              <a:ea typeface="맑은 고딕"/>
+              <a:cs typeface="+mn-cs"/>
+            </a:endParaRPr>
+          </a:p>
+          <a:p>
+            <a:pPr marL="0" marR="0" lvl="0" indent="0" algn="l" defTabSz="914400" rtl="0" eaLnBrk="1" latinLnBrk="1" hangingPunct="1">
+              <a:lnSpc>
+                <a:spcPct val="100000"/>
+              </a:lnSpc>
+              <a:spcBef>
+                <a:spcPts val="0"/>
+              </a:spcBef>
+              <a:spcAft>
+                <a:spcPts val="0"/>
+              </a:spcAft>
+              <a:buClrTx/>
+              <a:buFontTx/>
+              <a:buNone/>
+              <a:defRPr/>
+            </a:pPr>
+            <a:endParaRPr kumimoji="0" lang="ko-KR" altLang="en-US" sz="1400" b="1" i="0" u="none" strike="noStrike" kern="1200" cap="none" spc="0" normalizeH="0" baseline="0">
+              <a:solidFill>
+                <a:prstClr val="black"/>
+              </a:solidFill>
+              <a:effectLst/>
+              <a:uLnTx/>
+              <a:uFillTx/>
+              <a:latin typeface="맑은 고딕"/>
+              <a:ea typeface="맑은 고딕"/>
+              <a:cs typeface="+mn-cs"/>
+            </a:endParaRPr>
+          </a:p>
+          <a:p>
+            <a:pPr marL="0" marR="0" lvl="0" indent="0" algn="l" defTabSz="914400" rtl="0" eaLnBrk="1" latinLnBrk="1" hangingPunct="1">
+              <a:lnSpc>
+                <a:spcPct val="100000"/>
+              </a:lnSpc>
+              <a:spcBef>
+                <a:spcPts val="0"/>
+              </a:spcBef>
+              <a:spcAft>
+                <a:spcPts val="0"/>
+              </a:spcAft>
+              <a:buClrTx/>
+              <a:buFontTx/>
+              <a:buNone/>
+              <a:defRPr/>
+            </a:pPr>
+            <a:endParaRPr kumimoji="0" lang="ko-KR" altLang="en-US" sz="1400" b="1" i="0" u="none" strike="noStrike" kern="1200" cap="none" spc="0" normalizeH="0" baseline="0">
               <a:solidFill>
                 <a:prstClr val="black"/>
               </a:solidFill>
@@ -4936,160 +4992,6 @@
               <a:cs typeface="+mn-cs"/>
             </a:endParaRPr>
           </a:p>
-          <a:p>
-            <a:pPr marL="0" marR="0" lvl="0" indent="0" algn="l" defTabSz="914400" rtl="0" eaLnBrk="1" latinLnBrk="1" hangingPunct="1">
-              <a:lnSpc>
-                <a:spcPct val="100000"/>
-              </a:lnSpc>
-              <a:spcBef>
-                <a:spcPts val="0"/>
-              </a:spcBef>
-              <a:spcAft>
-                <a:spcPts val="0"/>
-              </a:spcAft>
-              <a:buClrTx/>
-              <a:buFontTx/>
-              <a:buNone/>
-              <a:defRPr/>
-            </a:pPr>
-            <a:r>
-              <a:rPr kumimoji="0" lang="en-US" altLang="ko-KR" sz="1400" b="1" i="0" u="none" strike="noStrike" kern="1200" cap="none" spc="0" normalizeH="0" baseline="0">
-                <a:solidFill>
-                  <a:prstClr val="black"/>
-                </a:solidFill>
-                <a:effectLst/>
-                <a:uLnTx/>
-                <a:uFillTx/>
-                <a:latin typeface="맑은 고딕"/>
-                <a:ea typeface="맑은 고딕"/>
-                <a:cs typeface="+mn-cs"/>
-              </a:rPr>
-              <a:t>Linear Regression</a:t>
-            </a:r>
-            <a:endParaRPr kumimoji="0" lang="en-US" altLang="ko-KR" sz="1400" b="1" i="0" u="none" strike="noStrike" kern="1200" cap="none" spc="0" normalizeH="0" baseline="0">
-              <a:solidFill>
-                <a:prstClr val="black"/>
-              </a:solidFill>
-              <a:effectLst/>
-              <a:uLnTx/>
-              <a:uFillTx/>
-              <a:latin typeface="맑은 고딕"/>
-              <a:ea typeface="맑은 고딕"/>
-              <a:cs typeface="+mn-cs"/>
-            </a:endParaRPr>
-          </a:p>
-          <a:p>
-            <a:pPr marL="0" marR="0" lvl="0" indent="0" algn="l" defTabSz="914400" rtl="0" eaLnBrk="1" latinLnBrk="1" hangingPunct="1">
-              <a:lnSpc>
-                <a:spcPct val="100000"/>
-              </a:lnSpc>
-              <a:spcBef>
-                <a:spcPts val="0"/>
-              </a:spcBef>
-              <a:spcAft>
-                <a:spcPts val="0"/>
-              </a:spcAft>
-              <a:buClrTx/>
-              <a:buFontTx/>
-              <a:buNone/>
-              <a:defRPr/>
-            </a:pPr>
-            <a:endParaRPr kumimoji="0" lang="ko-KR" altLang="en-US" sz="1400" b="1" i="0" u="none" strike="noStrike" kern="1200" cap="none" spc="0" normalizeH="0" baseline="0">
-              <a:solidFill>
-                <a:prstClr val="black"/>
-              </a:solidFill>
-              <a:effectLst/>
-              <a:uLnTx/>
-              <a:uFillTx/>
-              <a:latin typeface="맑은 고딕"/>
-              <a:ea typeface="맑은 고딕"/>
-              <a:cs typeface="+mn-cs"/>
-            </a:endParaRPr>
-          </a:p>
-          <a:p>
-            <a:pPr marL="0" marR="0" lvl="0" indent="0" algn="l" defTabSz="914400" rtl="0" eaLnBrk="1" latinLnBrk="1" hangingPunct="1">
-              <a:lnSpc>
-                <a:spcPct val="100000"/>
-              </a:lnSpc>
-              <a:spcBef>
-                <a:spcPts val="0"/>
-              </a:spcBef>
-              <a:spcAft>
-                <a:spcPts val="0"/>
-              </a:spcAft>
-              <a:buClrTx/>
-              <a:buFontTx/>
-              <a:buNone/>
-              <a:defRPr/>
-            </a:pPr>
-            <a:endParaRPr kumimoji="0" lang="ko-KR" altLang="en-US" sz="1400" b="1" i="0" u="none" strike="noStrike" kern="1200" cap="none" spc="0" normalizeH="0" baseline="0">
-              <a:solidFill>
-                <a:prstClr val="black"/>
-              </a:solidFill>
-              <a:effectLst/>
-              <a:uLnTx/>
-              <a:uFillTx/>
-              <a:latin typeface="맑은 고딕"/>
-              <a:ea typeface="맑은 고딕"/>
-              <a:cs typeface="+mn-cs"/>
-            </a:endParaRPr>
-          </a:p>
-          <a:p>
-            <a:pPr marL="0" marR="0" lvl="0" indent="0" algn="l" defTabSz="914400" rtl="0" eaLnBrk="1" latinLnBrk="1" hangingPunct="1">
-              <a:lnSpc>
-                <a:spcPct val="100000"/>
-              </a:lnSpc>
-              <a:spcBef>
-                <a:spcPts val="0"/>
-              </a:spcBef>
-              <a:spcAft>
-                <a:spcPts val="0"/>
-              </a:spcAft>
-              <a:buClrTx/>
-              <a:buFontTx/>
-              <a:buNone/>
-              <a:defRPr/>
-            </a:pPr>
-            <a:endParaRPr kumimoji="0" lang="en-US" altLang="ko-KR" sz="1400" b="1" i="0" u="none" strike="noStrike" kern="1200" cap="none" spc="0" normalizeH="0" baseline="0">
-              <a:solidFill>
-                <a:prstClr val="black"/>
-              </a:solidFill>
-              <a:effectLst/>
-              <a:uLnTx/>
-              <a:uFillTx/>
-              <a:latin typeface="맑은 고딕"/>
-              <a:ea typeface="맑은 고딕"/>
-              <a:cs typeface="+mn-cs"/>
-            </a:endParaRPr>
-          </a:p>
-          <a:p>
-            <a:pPr marL="0" marR="0" lvl="0" indent="0" algn="l" defTabSz="914400" rtl="0" eaLnBrk="1" latinLnBrk="1" hangingPunct="1">
-              <a:lnSpc>
-                <a:spcPct val="100000"/>
-              </a:lnSpc>
-              <a:spcBef>
-                <a:spcPts val="0"/>
-              </a:spcBef>
-              <a:spcAft>
-                <a:spcPts val="0"/>
-              </a:spcAft>
-              <a:buClrTx/>
-              <a:buFontTx/>
-              <a:buNone/>
-              <a:defRPr/>
-            </a:pPr>
-            <a:endParaRPr kumimoji="0" lang="en-US" altLang="ko-KR" sz="1400" b="1" i="0" u="none" strike="noStrike" kern="1200" cap="none" spc="0" normalizeH="0" baseline="0">
-              <a:solidFill>
-                <a:prstClr val="black"/>
-              </a:solidFill>
-              <a:effectLst/>
-              <a:uLnTx/>
-              <a:uFillTx/>
-              <a:latin typeface="맑은 고딕"/>
-              <a:ea typeface="맑은 고딕"/>
-              <a:cs typeface="+mn-cs"/>
-            </a:endParaRPr>
-          </a:p>
         </p:txBody>
       </p:sp>
       <p:pic>
@@ -5187,89 +5089,11 @@
           </a:p>
         </p:txBody>
       </p:sp>
-      <p:sp>
-        <p:nvSpPr>
-          <p:cNvPr id="10" name="TextBox 9"/>
-          <p:cNvSpPr txBox="1"/>
-          <p:nvPr/>
-        </p:nvSpPr>
-        <p:spPr>
-          <a:xfrm>
-            <a:off x="695432" y="1887855"/>
-            <a:ext cx="288000" cy="280973"/>
-          </a:xfrm>
-          <a:prstGeom prst="rect">
-            <a:avLst/>
-          </a:prstGeom>
-          <a:solidFill>
-            <a:srgbClr val="002060"/>
-          </a:solidFill>
-          <a:ln>
-            <a:noFill/>
-          </a:ln>
-        </p:spPr>
-        <p:txBody>
-          <a:bodyPr wrap="square" lIns="108000" rIns="108000" anchor="ctr" anchorCtr="0">
-            <a:spAutoFit/>
-          </a:bodyPr>
-          <a:lstStyle/>
-          <a:p>
-            <a:pPr marL="0" marR="0" lvl="0" indent="0" algn="ctr" defTabSz="914400" rtl="0" eaLnBrk="1" latinLnBrk="1" hangingPunct="1">
-              <a:lnSpc>
-                <a:spcPct val="100000"/>
-              </a:lnSpc>
-              <a:spcBef>
-                <a:spcPts val="0"/>
-              </a:spcBef>
-              <a:spcAft>
-                <a:spcPts val="0"/>
-              </a:spcAft>
-              <a:buClrTx/>
-              <a:buFontTx/>
-              <a:buNone/>
-              <a:defRPr/>
-            </a:pPr>
-            <a:r>
-              <a:rPr kumimoji="0" lang="en-US" altLang="ko-KR" sz="1200" b="1" i="0" u="none" strike="noStrike" kern="1200" cap="none" spc="0" normalizeH="0" baseline="0">
-                <a:solidFill>
-                  <a:prstClr val="white"/>
-                </a:solidFill>
-                <a:effectLst/>
-                <a:uLnTx/>
-                <a:uFillTx/>
-                <a:latin typeface="맑은 고딕"/>
-                <a:ea typeface="맑은 고딕"/>
-                <a:cs typeface="Arial"/>
-              </a:rPr>
-              <a:t>2</a:t>
-            </a:r>
-            <a:endParaRPr kumimoji="0" lang="ko-KR" altLang="en-US" sz="1200" b="1" i="0" u="none" strike="noStrike" kern="1200" cap="none" spc="0" normalizeH="0" baseline="0">
-              <a:solidFill>
-                <a:prstClr val="white"/>
-              </a:solidFill>
-              <a:effectLst/>
-              <a:uLnTx/>
-              <a:uFillTx/>
-              <a:latin typeface="맑은 고딕"/>
-              <a:ea typeface="맑은 고딕"/>
-              <a:cs typeface="Arial"/>
-            </a:endParaRPr>
-          </a:p>
-        </p:txBody>
-      </p:sp>
     </p:spTree>
   </p:cSld>
   <p:clrMapOvr>
     <a:masterClrMapping/>
   </p:clrMapOvr>
-  <mc:AlternateContent xmlns:mc="http://schemas.openxmlformats.org/markup-compatibility/2006">
-    <mc:Choice xmlns:p14="http://schemas.microsoft.com/office/powerpoint/2010/main" Requires="p14">
-      <p:transition xmlns:mc="http://schemas.openxmlformats.org/markup-compatibility/2006" xmlns:p14="http://schemas.microsoft.com/office/powerpoint/2010/main" mc:Ignorable="p14" p14:dur="500"/>
-    </mc:Choice>
-    <mc:Fallback>
-      <p:transition/>
-    </mc:Fallback>
-  </mc:AlternateContent>
 </p:sld>
 </file>
 
@@ -6589,7 +6413,7 @@
                 <a:ea typeface="나눔스퀘어 Bold"/>
                 <a:cs typeface="Times New Roman"/>
               </a:rPr>
-              <a:t>1. Introduction to AI</a:t>
+              <a:t>1. Linear Regression</a:t>
             </a:r>
             <a:endParaRPr xmlns:mc="http://schemas.openxmlformats.org/markup-compatibility/2006" xmlns:hp="http://schemas.haansoft.com/office/presentation/8.0" kumimoji="0" lang="en-US" altLang="ko-KR" sz="3200" b="1" i="0" u="none" strike="noStrike" kern="1200" cap="none" spc="0" normalizeH="0" baseline="0" mc:Ignorable="hp" hp:hslEmbossed="0">
               <a:solidFill>
@@ -6714,8 +6538,8 @@
         </p:nvSpPr>
         <p:spPr>
           <a:xfrm>
-            <a:off x="587387" y="656692"/>
-            <a:ext cx="11377265" cy="4037228"/>
+            <a:off x="587387" y="656691"/>
+            <a:ext cx="11377265" cy="3627653"/>
           </a:xfrm>
           <a:prstGeom prst="rect">
             <a:avLst/>
@@ -6727,7 +6551,7 @@
           </a:bodyPr>
           <a:lstStyle/>
           <a:p>
-            <a:pPr marL="371280" indent="-371280">
+            <a:pPr marL="371280" lvl="0" indent="-371280">
               <a:lnSpc>
                 <a:spcPct val="180000"/>
               </a:lnSpc>
@@ -6749,9 +6573,9 @@
                 <a:latin typeface="맑은 고딕"/>
                 <a:ea typeface="맑은 고딕"/>
               </a:rPr>
-              <a:t>Machine Learning</a:t>
-            </a:r>
-            <a:endParaRPr lang="ko-KR" altLang="en-US" b="0">
+              <a:t>What is Linear Regression?</a:t>
+            </a:r>
+            <a:endParaRPr lang="ko-KR" altLang="en-US" sz="2400">
               <a:solidFill>
                 <a:schemeClr val="tx1"/>
               </a:solidFill>
@@ -6760,7 +6584,7 @@
             </a:endParaRPr>
           </a:p>
           <a:p>
-            <a:pPr marL="371280" indent="371280">
+            <a:pPr marL="371280" lvl="0" indent="371280">
               <a:lnSpc>
                 <a:spcPct val="150000"/>
               </a:lnSpc>
@@ -6775,6 +6599,42 @@
               <a:defRPr/>
             </a:pPr>
             <a:r>
+              <a:rPr lang="en-US" altLang="ko-KR" sz="1800" b="0">
+                <a:solidFill>
+                  <a:schemeClr val="tx1"/>
+                </a:solidFill>
+                <a:latin typeface="맑은 고딕"/>
+                <a:ea typeface="맑은 고딕"/>
+              </a:rPr>
+              <a:t>Regression</a:t>
+            </a:r>
+            <a:endParaRPr lang="ko-KR" altLang="en-US" sz="1800" b="0">
+              <a:solidFill>
+                <a:schemeClr val="tx1"/>
+              </a:solidFill>
+              <a:latin typeface="맑은 고딕"/>
+              <a:ea typeface="맑은 고딕"/>
+            </a:endParaRPr>
+          </a:p>
+          <a:p>
+            <a:pPr marL="828480" lvl="1" indent="371280">
+              <a:lnSpc>
+                <a:spcPct val="150000"/>
+              </a:lnSpc>
+              <a:spcBef>
+                <a:spcPts val="0"/>
+              </a:spcBef>
+              <a:spcAft>
+                <a:spcPts val="0"/>
+              </a:spcAft>
+              <a:buClr>
+                <a:schemeClr val="tx1"/>
+              </a:buClr>
+              <a:buFont typeface="Arial"/>
+              <a:buChar char="•"/>
+              <a:defRPr/>
+            </a:pPr>
+            <a:r>
               <a:rPr lang="ko-KR" altLang="en-US" sz="1800" b="0">
                 <a:solidFill>
                   <a:schemeClr val="tx1"/>
@@ -6782,7 +6642,7 @@
                 <a:latin typeface="맑은 고딕"/>
                 <a:ea typeface="맑은 고딕"/>
               </a:rPr>
-              <a:t>컴퓨터가 데이터를 스스로 학습해서 결과를 도출하는 기술</a:t>
+              <a:t>종속 변수와 하나 이상의 독립 변수 사이의 관계를 모델링 하는 기법</a:t>
             </a:r>
             <a:r>
               <a:rPr lang="en-US" altLang="ko-KR" sz="1800" b="0">
@@ -6794,6 +6654,32 @@
               </a:rPr>
               <a:t>.</a:t>
             </a:r>
+            <a:endParaRPr lang="en-US" altLang="ko-KR" sz="1800" b="0">
+              <a:solidFill>
+                <a:schemeClr val="tx1"/>
+              </a:solidFill>
+              <a:latin typeface="맑은 고딕"/>
+              <a:ea typeface="맑은 고딕"/>
+            </a:endParaRPr>
+          </a:p>
+          <a:p>
+            <a:pPr marL="828480" lvl="1" indent="371280">
+              <a:lnSpc>
+                <a:spcPct val="150000"/>
+              </a:lnSpc>
+              <a:spcBef>
+                <a:spcPts val="0"/>
+              </a:spcBef>
+              <a:spcAft>
+                <a:spcPts val="0"/>
+              </a:spcAft>
+              <a:buClr>
+                <a:schemeClr val="tx1"/>
+              </a:buClr>
+              <a:buFont typeface="Arial"/>
+              <a:buChar char="•"/>
+              <a:defRPr/>
+            </a:pPr>
             <a:r>
               <a:rPr lang="ko-KR" altLang="en-US" sz="1800" b="0">
                 <a:solidFill>
@@ -6802,7 +6688,7 @@
                 <a:latin typeface="맑은 고딕"/>
                 <a:ea typeface="맑은 고딕"/>
               </a:rPr>
-              <a:t> 인간이 컴퓨터에게 다양한 정보를 가르쳐 학습하도록 함</a:t>
+              <a:t>독립 변수의 변화가 종속 변수에 어떻게 영향을 미치는지 설명하거나 예측하는데 사용하는 방법</a:t>
             </a:r>
             <a:r>
               <a:rPr lang="en-US" altLang="ko-KR" sz="1800" b="0">
@@ -6823,7 +6709,7 @@
             </a:endParaRPr>
           </a:p>
           <a:p>
-            <a:pPr marL="371280" indent="371280">
+            <a:pPr marL="371280" lvl="0" indent="371280">
               <a:lnSpc>
                 <a:spcPct val="150000"/>
               </a:lnSpc>
@@ -6838,6 +6724,16 @@
               <a:defRPr/>
             </a:pPr>
             <a:r>
+              <a:rPr lang="ko-KR" altLang="en-US" sz="1800" b="0">
+                <a:solidFill>
+                  <a:schemeClr val="tx1"/>
+                </a:solidFill>
+                <a:latin typeface="맑은 고딕"/>
+                <a:ea typeface="맑은 고딕"/>
+              </a:rPr>
+              <a:t>결국</a:t>
+            </a:r>
+            <a:r>
               <a:rPr lang="en-US" altLang="ko-KR" sz="1800" b="0">
                 <a:solidFill>
                   <a:schemeClr val="tx1"/>
@@ -6845,7 +6741,7 @@
                 <a:latin typeface="맑은 고딕"/>
                 <a:ea typeface="맑은 고딕"/>
               </a:rPr>
-              <a:t>Supervised Learning :</a:t>
+              <a:t>,</a:t>
             </a:r>
             <a:r>
               <a:rPr lang="ko-KR" altLang="en-US" sz="1800" b="0">
@@ -6855,27 +6751,67 @@
                 <a:latin typeface="맑은 고딕"/>
                 <a:ea typeface="맑은 고딕"/>
               </a:rPr>
-              <a:t> 입력값과 결과값</a:t>
-            </a:r>
-            <a:r>
-              <a:rPr lang="en-US" altLang="ko-KR" sz="1800" b="0">
+              <a:t> 선형적으로 </a:t>
+            </a:r>
+            <a:r>
+              <a:rPr lang="ko-KR" altLang="en-US" sz="1800">
                 <a:solidFill>
                   <a:srgbClr val="ff0000"/>
                 </a:solidFill>
                 <a:latin typeface="맑은 고딕"/>
                 <a:ea typeface="맑은 고딕"/>
               </a:rPr>
-              <a:t>(label)</a:t>
-            </a:r>
-            <a:r>
-              <a:rPr lang="ko-KR" altLang="en-US" sz="1800" b="0">
+              <a:t>입</a:t>
+            </a:r>
+            <a:r>
+              <a:rPr lang="en-US" altLang="ko-KR" sz="1800">
+                <a:solidFill>
+                  <a:srgbClr val="ff0000"/>
+                </a:solidFill>
+                <a:latin typeface="맑은 고딕"/>
+                <a:ea typeface="맑은 고딕"/>
+              </a:rPr>
+              <a:t>-</a:t>
+            </a:r>
+            <a:r>
+              <a:rPr lang="ko-KR" altLang="en-US" sz="1800">
+                <a:solidFill>
+                  <a:srgbClr val="ff0000"/>
+                </a:solidFill>
+                <a:latin typeface="맑은 고딕"/>
+                <a:ea typeface="맑은 고딕"/>
+              </a:rPr>
+              <a:t>출력간의 관계를 </a:t>
+            </a:r>
+            <a:r>
+              <a:rPr lang="en-US" altLang="ko-KR" sz="1800">
+                <a:solidFill>
+                  <a:srgbClr val="ff0000"/>
+                </a:solidFill>
+                <a:latin typeface="맑은 고딕"/>
+                <a:ea typeface="맑은 고딕"/>
+              </a:rPr>
+              <a:t>Modeling</a:t>
+            </a:r>
+            <a:r>
+              <a:rPr lang="ko-KR" altLang="en-US" sz="1800">
+                <a:solidFill>
+                  <a:srgbClr val="ff0000"/>
+                </a:solidFill>
+                <a:latin typeface="맑은 고딕"/>
+                <a:ea typeface="맑은 고딕"/>
+              </a:rPr>
+              <a:t>하는 것</a:t>
+            </a:r>
+            <a:r>
+              <a:rPr lang="en-US" altLang="ko-KR" sz="1800" b="0">
                 <a:solidFill>
                   <a:schemeClr val="tx1"/>
                 </a:solidFill>
                 <a:latin typeface="맑은 고딕"/>
                 <a:ea typeface="맑은 고딕"/>
               </a:rPr>
-              <a:t> 모두를 이용한 학습</a:t>
+              <a:t>.</a:t>
             </a:r>
             <a:endParaRPr lang="ko-KR" altLang="en-US" sz="1800" b="0">
               <a:solidFill>
@@ -6886,7 +6822,7 @@
             </a:endParaRPr>
           </a:p>
           <a:p>
-            <a:pPr marL="371280" indent="0">
+            <a:pPr marL="1085520" lvl="1" indent="-257040">
               <a:lnSpc>
                 <a:spcPct val="150000"/>
               </a:lnSpc>
@@ -6896,8 +6832,8 @@
               <a:spcAft>
                 <a:spcPts val="0"/>
               </a:spcAft>
-              <a:buFont typeface="Wingdings"/>
-              <a:buNone/>
+              <a:buFont typeface="Arial"/>
+              <a:buChar char="•"/>
               <a:defRPr/>
             </a:pPr>
             <a:r>
@@ -6908,7 +6844,7 @@
                 <a:latin typeface="맑은 고딕"/>
                 <a:ea typeface="맑은 고딕"/>
               </a:rPr>
-              <a:t>	ex)</a:t>
+              <a:t> </a:t>
             </a:r>
             <a:r>
               <a:rPr lang="ko-KR" altLang="en-US" sz="1800" b="0">
@@ -6918,7 +6854,7 @@
                 <a:latin typeface="맑은 고딕"/>
                 <a:ea typeface="맑은 고딕"/>
               </a:rPr>
-              <a:t> 사과 사진 </a:t>
+              <a:t>입</a:t>
             </a:r>
             <a:r>
               <a:rPr lang="en-US" altLang="ko-KR" sz="1800" b="0">
@@ -6928,7 +6864,7 @@
                 <a:latin typeface="맑은 고딕"/>
                 <a:ea typeface="맑은 고딕"/>
               </a:rPr>
-              <a:t>+</a:t>
+              <a:t>-</a:t>
             </a:r>
             <a:r>
               <a:rPr lang="ko-KR" altLang="en-US" sz="1800" b="0">
@@ -6938,7 +6874,7 @@
                 <a:latin typeface="맑은 고딕"/>
                 <a:ea typeface="맑은 고딕"/>
               </a:rPr>
-              <a:t> </a:t>
+              <a:t>출력간의 관계가 선형적 관계이다</a:t>
             </a:r>
             <a:r>
               <a:rPr lang="en-US" altLang="ko-KR" sz="1800" b="0">
@@ -6948,7 +6884,7 @@
                 <a:latin typeface="맑은 고딕"/>
                 <a:ea typeface="맑은 고딕"/>
               </a:rPr>
-              <a:t>“</a:t>
+              <a:t>?</a:t>
             </a:r>
             <a:r>
               <a:rPr lang="ko-KR" altLang="en-US" sz="1800" b="0">
@@ -6958,7 +6894,7 @@
                 <a:latin typeface="맑은 고딕"/>
                 <a:ea typeface="맑은 고딕"/>
               </a:rPr>
-              <a:t>사과</a:t>
+              <a:t>  → </a:t>
             </a:r>
             <a:r>
               <a:rPr lang="en-US" altLang="ko-KR" sz="1800" b="0">
@@ -6968,7 +6904,40 @@
                 <a:latin typeface="맑은 고딕"/>
                 <a:ea typeface="맑은 고딕"/>
               </a:rPr>
-              <a:t>”</a:t>
+              <a:t>Linear Regression</a:t>
+            </a:r>
+            <a:endParaRPr lang="en-US" altLang="ko-KR" sz="1800" b="0">
+              <a:solidFill>
+                <a:schemeClr val="tx1"/>
+              </a:solidFill>
+              <a:latin typeface="맑은 고딕"/>
+              <a:ea typeface="맑은 고딕"/>
+            </a:endParaRPr>
+          </a:p>
+          <a:p>
+            <a:pPr marL="1085520" lvl="1" indent="-257040">
+              <a:lnSpc>
+                <a:spcPct val="150000"/>
+              </a:lnSpc>
+              <a:spcBef>
+                <a:spcPts val="0"/>
+              </a:spcBef>
+              <a:spcAft>
+                <a:spcPts val="0"/>
+              </a:spcAft>
+              <a:buFont typeface="Arial"/>
+              <a:buChar char="•"/>
+              <a:defRPr/>
+            </a:pPr>
+            <a:r>
+              <a:rPr lang="en-US" altLang="ko-KR" sz="1800" b="0">
+                <a:solidFill>
+                  <a:schemeClr val="tx1"/>
+                </a:solidFill>
+                <a:latin typeface="맑은 고딕"/>
+                <a:ea typeface="맑은 고딕"/>
+              </a:rPr>
+              <a:t> </a:t>
             </a:r>
             <a:r>
               <a:rPr lang="ko-KR" altLang="en-US" sz="1800" b="0">
@@ -6978,9 +6947,59 @@
                 <a:latin typeface="맑은 고딕"/>
                 <a:ea typeface="맑은 고딕"/>
               </a:rPr>
-              <a:t>라는 정보</a:t>
-            </a:r>
-            <a:endParaRPr lang="ko-KR" altLang="en-US" sz="1800" b="0">
+              <a:t>입</a:t>
+            </a:r>
+            <a:r>
+              <a:rPr lang="en-US" altLang="ko-KR" sz="1800" b="0">
+                <a:solidFill>
+                  <a:schemeClr val="tx1"/>
+                </a:solidFill>
+                <a:latin typeface="맑은 고딕"/>
+                <a:ea typeface="맑은 고딕"/>
+              </a:rPr>
+              <a:t>-</a:t>
+            </a:r>
+            <a:r>
+              <a:rPr lang="ko-KR" altLang="en-US" sz="1800" b="0">
+                <a:solidFill>
+                  <a:schemeClr val="tx1"/>
+                </a:solidFill>
+                <a:latin typeface="맑은 고딕"/>
+                <a:ea typeface="맑은 고딕"/>
+              </a:rPr>
+              <a:t>출력간의 관계가 비선형적 관계이다</a:t>
+            </a:r>
+            <a:r>
+              <a:rPr lang="en-US" altLang="ko-KR" sz="1800" b="0">
+                <a:solidFill>
+                  <a:schemeClr val="tx1"/>
+                </a:solidFill>
+                <a:latin typeface="맑은 고딕"/>
+                <a:ea typeface="맑은 고딕"/>
+              </a:rPr>
+              <a:t>?</a:t>
+            </a:r>
+            <a:r>
+              <a:rPr lang="ko-KR" altLang="en-US" sz="1800" b="0">
+                <a:solidFill>
+                  <a:schemeClr val="tx1"/>
+                </a:solidFill>
+                <a:latin typeface="맑은 고딕"/>
+                <a:ea typeface="맑은 고딕"/>
+              </a:rPr>
+              <a:t> → </a:t>
+            </a:r>
+            <a:r>
+              <a:rPr lang="en-US" altLang="ko-KR" sz="1800" b="0">
+                <a:solidFill>
+                  <a:schemeClr val="tx1"/>
+                </a:solidFill>
+                <a:latin typeface="맑은 고딕"/>
+                <a:ea typeface="맑은 고딕"/>
+              </a:rPr>
+              <a:t>Logistic Regression</a:t>
+            </a:r>
+            <a:endParaRPr lang="en-US" altLang="ko-KR" sz="1800" b="0">
               <a:solidFill>
                 <a:schemeClr val="tx1"/>
               </a:solidFill>
@@ -6989,7 +7008,7 @@
             </a:endParaRPr>
           </a:p>
           <a:p>
-            <a:pPr marL="371280" indent="371280">
+            <a:pPr marL="370846" lvl="1" indent="370846">
               <a:lnSpc>
                 <a:spcPct val="150000"/>
               </a:lnSpc>
@@ -7004,6 +7023,17 @@
               <a:defRPr/>
             </a:pPr>
             <a:r>
+              <a:rPr xmlns:mc="http://schemas.openxmlformats.org/markup-compatibility/2006" xmlns:hp="http://schemas.haansoft.com/office/presentation/8.0" kumimoji="1" lang="en-US" altLang="ko-KR" sz="1800" b="0" i="0" u="none" strike="noStrike" kern="1200" cap="none" spc="0" normalizeH="0" mc:Ignorable="hp" hp:hslEmbossed="0">
+                <a:solidFill>
+                  <a:schemeClr val="tx1"/>
+                </a:solidFill>
+                <a:latin typeface="맑은 고딕"/>
+                <a:ea typeface="맑은 고딕"/>
+                <a:cs typeface="+mn-cs"/>
+              </a:rPr>
+              <a:t>ex) House - Price </a:t>
+            </a:r>
+            <a:r>
               <a:rPr lang="en-US" altLang="ko-KR" sz="1800" b="0">
                 <a:solidFill>
                   <a:schemeClr val="tx1"/>
@@ -7011,190 +7041,7 @@
                 <a:latin typeface="맑은 고딕"/>
                 <a:ea typeface="맑은 고딕"/>
               </a:rPr>
-              <a:t>Unsupervised Learning : </a:t>
-            </a:r>
-            <a:r>
-              <a:rPr lang="ko-KR" altLang="en-US" sz="1800" b="0">
-                <a:solidFill>
-                  <a:schemeClr val="tx1"/>
-                </a:solidFill>
-                <a:latin typeface="맑은 고딕"/>
-                <a:ea typeface="맑은 고딕"/>
-              </a:rPr>
-              <a:t>결과</a:t>
-            </a:r>
-            <a:r>
-              <a:rPr lang="en-US" altLang="ko-KR" sz="1800" b="0">
-                <a:solidFill>
-                  <a:schemeClr val="tx1"/>
-                </a:solidFill>
-                <a:latin typeface="맑은 고딕"/>
-                <a:ea typeface="맑은 고딕"/>
-              </a:rPr>
-              <a:t>(label)</a:t>
-            </a:r>
-            <a:r>
-              <a:rPr lang="ko-KR" altLang="en-US" sz="1800" b="0">
-                <a:solidFill>
-                  <a:schemeClr val="tx1"/>
-                </a:solidFill>
-                <a:latin typeface="맑은 고딕"/>
-                <a:ea typeface="맑은 고딕"/>
-              </a:rPr>
-              <a:t>이 지정되지 않은 데이터를 학습하는 머신러닝 모델</a:t>
-            </a:r>
-            <a:endParaRPr lang="ko-KR" altLang="en-US" sz="1800" b="0">
-              <a:solidFill>
-                <a:schemeClr val="tx1"/>
-              </a:solidFill>
-              <a:latin typeface="맑은 고딕"/>
-              <a:ea typeface="맑은 고딕"/>
-            </a:endParaRPr>
-          </a:p>
-          <a:p>
-            <a:pPr marL="828480" lvl="1" indent="0">
-              <a:lnSpc>
-                <a:spcPct val="150000"/>
-              </a:lnSpc>
-              <a:spcBef>
-                <a:spcPts val="0"/>
-              </a:spcBef>
-              <a:spcAft>
-                <a:spcPts val="0"/>
-              </a:spcAft>
-              <a:buFont typeface="Wingdings"/>
-              <a:buNone/>
-              <a:defRPr/>
-            </a:pPr>
-            <a:r>
-              <a:rPr lang="en-US" altLang="ko-KR" sz="1800" b="0">
-                <a:solidFill>
-                  <a:schemeClr val="tx1"/>
-                </a:solidFill>
-                <a:latin typeface="맑은 고딕"/>
-                <a:ea typeface="맑은 고딕"/>
-              </a:rPr>
-              <a:t>	ex)</a:t>
-            </a:r>
-            <a:r>
-              <a:rPr lang="ko-KR" altLang="en-US" sz="1800" b="0">
-                <a:solidFill>
-                  <a:schemeClr val="tx1"/>
-                </a:solidFill>
-                <a:latin typeface="맑은 고딕"/>
-                <a:ea typeface="맑은 고딕"/>
-              </a:rPr>
-              <a:t> 사과 사진</a:t>
-            </a:r>
-            <a:r>
-              <a:rPr lang="en-US" altLang="ko-KR" sz="1800" b="0">
-                <a:solidFill>
-                  <a:schemeClr val="tx1"/>
-                </a:solidFill>
-                <a:latin typeface="맑은 고딕"/>
-                <a:ea typeface="맑은 고딕"/>
-              </a:rPr>
-              <a:t>,</a:t>
-            </a:r>
-            <a:r>
-              <a:rPr lang="ko-KR" altLang="en-US" sz="1800" b="0">
-                <a:solidFill>
-                  <a:schemeClr val="tx1"/>
-                </a:solidFill>
-                <a:latin typeface="맑은 고딕"/>
-                <a:ea typeface="맑은 고딕"/>
-              </a:rPr>
-              <a:t> 바나나 사진</a:t>
-            </a:r>
-            <a:r>
-              <a:rPr lang="en-US" altLang="ko-KR" sz="1800" b="0">
-                <a:solidFill>
-                  <a:schemeClr val="tx1"/>
-                </a:solidFill>
-                <a:latin typeface="맑은 고딕"/>
-                <a:ea typeface="맑은 고딕"/>
-              </a:rPr>
-              <a:t>,</a:t>
-            </a:r>
-            <a:r>
-              <a:rPr lang="ko-KR" altLang="en-US" sz="1800" b="0">
-                <a:solidFill>
-                  <a:schemeClr val="tx1"/>
-                </a:solidFill>
-                <a:latin typeface="맑은 고딕"/>
-                <a:ea typeface="맑은 고딕"/>
-              </a:rPr>
-              <a:t> </a:t>
-            </a:r>
-            <a:r>
-              <a:rPr lang="en-US" altLang="ko-KR" sz="1800" b="0">
-                <a:solidFill>
-                  <a:schemeClr val="tx1"/>
-                </a:solidFill>
-                <a:latin typeface="맑은 고딕"/>
-                <a:ea typeface="맑은 고딕"/>
-              </a:rPr>
-              <a:t>...</a:t>
-            </a:r>
-            <a:r>
-              <a:rPr lang="ko-KR" altLang="en-US" sz="1800" b="0">
-                <a:solidFill>
-                  <a:schemeClr val="tx1"/>
-                </a:solidFill>
-                <a:latin typeface="맑은 고딕"/>
-                <a:ea typeface="맑은 고딕"/>
-              </a:rPr>
-              <a:t> </a:t>
-            </a:r>
-            <a:r>
-              <a:rPr lang="en-US" altLang="ko-KR" sz="1800" b="0">
-                <a:solidFill>
-                  <a:schemeClr val="tx1"/>
-                </a:solidFill>
-                <a:latin typeface="맑은 고딕"/>
-                <a:ea typeface="맑은 고딕"/>
-              </a:rPr>
-              <a:t>[</a:t>
-            </a:r>
-            <a:r>
-              <a:rPr lang="ko-KR" altLang="en-US" sz="1800" b="0">
-                <a:solidFill>
-                  <a:schemeClr val="tx1"/>
-                </a:solidFill>
-                <a:latin typeface="맑은 고딕"/>
-                <a:ea typeface="맑은 고딕"/>
-              </a:rPr>
-              <a:t>단</a:t>
-            </a:r>
-            <a:r>
-              <a:rPr lang="en-US" altLang="ko-KR" sz="1800" b="0">
-                <a:solidFill>
-                  <a:schemeClr val="tx1"/>
-                </a:solidFill>
-                <a:latin typeface="맑은 고딕"/>
-                <a:ea typeface="맑은 고딕"/>
-              </a:rPr>
-              <a:t>,</a:t>
-            </a:r>
-            <a:r>
-              <a:rPr lang="ko-KR" altLang="en-US" sz="1800" b="0">
-                <a:solidFill>
-                  <a:schemeClr val="tx1"/>
-                </a:solidFill>
-                <a:latin typeface="맑은 고딕"/>
-                <a:ea typeface="맑은 고딕"/>
-              </a:rPr>
-              <a:t> 사진마다 결과는 제공하지 않고 알고리즘에 의해 스스로 분류</a:t>
-            </a:r>
-            <a:r>
-              <a:rPr lang="en-US" altLang="ko-KR" sz="1800" b="0">
-                <a:solidFill>
-                  <a:schemeClr val="tx1"/>
-                </a:solidFill>
-                <a:latin typeface="맑은 고딕"/>
-                <a:ea typeface="맑은 고딕"/>
-              </a:rPr>
-              <a:t>]</a:t>
+              <a:t>relationship</a:t>
             </a:r>
             <a:endParaRPr lang="en-US" altLang="ko-KR" sz="1800" b="0">
               <a:solidFill>
@@ -7204,104 +7051,125 @@
               <a:ea typeface="맑은 고딕"/>
             </a:endParaRPr>
           </a:p>
-          <a:p>
-            <a:pPr marL="371280" indent="371280">
-              <a:lnSpc>
-                <a:spcPct val="150000"/>
-              </a:lnSpc>
-              <a:spcBef>
-                <a:spcPts val="0"/>
-              </a:spcBef>
-              <a:spcAft>
-                <a:spcPts val="0"/>
-              </a:spcAft>
-              <a:buFont typeface="Wingdings"/>
-              <a:buChar char="§"/>
-              <a:defRPr/>
-            </a:pPr>
-            <a:r>
-              <a:rPr lang="en-US" altLang="ko-KR" sz="1800" b="0">
-                <a:solidFill>
-                  <a:schemeClr val="tx1"/>
-                </a:solidFill>
-                <a:latin typeface="맑은 고딕"/>
-                <a:ea typeface="맑은 고딕"/>
-              </a:rPr>
-              <a:t>Reinforcement Learning : </a:t>
-            </a:r>
-            <a:r>
-              <a:rPr lang="ko-KR" altLang="en-US" sz="1800" b="0">
-                <a:solidFill>
-                  <a:schemeClr val="tx1"/>
-                </a:solidFill>
-                <a:latin typeface="맑은 고딕"/>
-                <a:ea typeface="맑은 고딕"/>
-              </a:rPr>
-              <a:t>피드백 루프를 통해 제공하는 보상을 활용한 학습</a:t>
-            </a:r>
-            <a:endParaRPr lang="ko-KR" altLang="en-US" sz="1800" b="0">
+        </p:txBody>
+      </p:sp>
+      <p:pic>
+        <p:nvPicPr>
+          <p:cNvPr id="12" name="그림 11"/>
+          <p:cNvPicPr>
+            <a:picLocks noChangeAspect="1"/>
+          </p:cNvPicPr>
+          <p:nvPr/>
+        </p:nvPicPr>
+        <p:blipFill rotWithShape="1">
+          <a:blip r:embed="rId3"/>
+          <a:stretch>
+            <a:fillRect/>
+          </a:stretch>
+        </p:blipFill>
+        <p:spPr>
+          <a:xfrm>
+            <a:off x="1791778" y="4379818"/>
+            <a:ext cx="2915316" cy="1929501"/>
+          </a:xfrm>
+          <a:prstGeom prst="rect">
+            <a:avLst/>
+          </a:prstGeom>
+        </p:spPr>
+      </p:pic>
+      <p:grpSp>
+        <p:nvGrpSpPr>
+          <p:cNvPr id="16" name=""/>
+          <p:cNvGrpSpPr/>
+          <p:nvPr/>
+        </p:nvGrpSpPr>
+        <p:grpSpPr>
+          <a:xfrm rot="0">
+            <a:off x="5735960" y="4329100"/>
+            <a:ext cx="3852428" cy="2014399"/>
+            <a:chOff x="5915980" y="4294921"/>
+            <a:chExt cx="3852428" cy="2014399"/>
+          </a:xfrm>
+        </p:grpSpPr>
+        <p:pic>
+          <p:nvPicPr>
+            <p:cNvPr id="13" name="그림 12"/>
+            <p:cNvPicPr>
+              <a:picLocks noChangeAspect="1"/>
+            </p:cNvPicPr>
+            <p:nvPr/>
+          </p:nvPicPr>
+          <p:blipFill rotWithShape="1">
+            <a:blip r:embed="rId4"/>
+            <a:stretch>
+              <a:fillRect/>
+            </a:stretch>
+          </p:blipFill>
+          <p:spPr>
+            <a:xfrm>
+              <a:off x="5915980" y="4294921"/>
+              <a:ext cx="3582363" cy="2014399"/>
+            </a:xfrm>
+            <a:prstGeom prst="rect">
+              <a:avLst/>
+            </a:prstGeom>
+          </p:spPr>
+        </p:pic>
+        <p:sp>
+          <p:nvSpPr>
+            <p:cNvPr id="15" name="직사각형 14"/>
+            <p:cNvSpPr/>
+            <p:nvPr/>
+          </p:nvSpPr>
+          <p:spPr>
+            <a:xfrm>
+              <a:off x="9444372" y="4869160"/>
+              <a:ext cx="324036" cy="360040"/>
+            </a:xfrm>
+            <a:prstGeom prst="rect">
+              <a:avLst/>
+            </a:prstGeom>
+            <a:solidFill>
+              <a:schemeClr val="lt1"/>
+            </a:solidFill>
+            <a:ln>
               <a:solidFill>
-                <a:schemeClr val="tx1"/>
+                <a:schemeClr val="lt1"/>
               </a:solidFill>
-              <a:latin typeface="맑은 고딕"/>
-              <a:ea typeface="맑은 고딕"/>
-            </a:endParaRPr>
-          </a:p>
-          <a:p>
-            <a:pPr marL="828480" lvl="1" indent="0">
-              <a:lnSpc>
-                <a:spcPct val="150000"/>
-              </a:lnSpc>
-              <a:spcBef>
-                <a:spcPts val="0"/>
-              </a:spcBef>
-              <a:spcAft>
-                <a:spcPts val="0"/>
-              </a:spcAft>
-              <a:buFont typeface="Wingdings"/>
-              <a:buNone/>
-              <a:defRPr/>
-            </a:pPr>
-            <a:r>
-              <a:rPr lang="en-US" altLang="ko-KR" sz="1800" b="0">
-                <a:solidFill>
-                  <a:schemeClr val="tx1"/>
-                </a:solidFill>
-                <a:latin typeface="맑은 고딕"/>
-                <a:ea typeface="맑은 고딕"/>
-              </a:rPr>
-              <a:t>	ex) </a:t>
-            </a:r>
-            <a:r>
-              <a:rPr lang="ko-KR" altLang="en-US" sz="1800" b="0">
-                <a:solidFill>
-                  <a:schemeClr val="tx1"/>
-                </a:solidFill>
-                <a:latin typeface="맑은 고딕"/>
-                <a:ea typeface="맑은 고딕"/>
-              </a:rPr>
-              <a:t>학습된 알고리즘과 바둑 플래이간 발생하는 보상을 통한 알고리즘 강화</a:t>
-            </a:r>
-            <a:endParaRPr lang="ko-KR" altLang="en-US" sz="2300" b="0">
-              <a:latin typeface="맑은 고딕"/>
-              <a:ea typeface="맑은 고딕"/>
-            </a:endParaRPr>
-          </a:p>
-        </p:txBody>
-      </p:sp>
+            </a:ln>
+          </p:spPr>
+          <p:style>
+            <a:lnRef idx="2">
+              <a:schemeClr val="accent1">
+                <a:shade val="15000"/>
+              </a:schemeClr>
+            </a:lnRef>
+            <a:fillRef idx="1">
+              <a:schemeClr val="accent1"/>
+            </a:fillRef>
+            <a:effectRef idx="0">
+              <a:schemeClr val="accent1"/>
+            </a:effectRef>
+            <a:fontRef idx="minor">
+              <a:schemeClr val="lt1"/>
+            </a:fontRef>
+          </p:style>
+          <p:txBody>
+            <a:bodyPr anchor="ctr"/>
+            <a:p>
+              <a:pPr lvl="0" algn="ctr">
+                <a:defRPr/>
+              </a:pPr>
+              <a:endParaRPr/>
+            </a:p>
+          </p:txBody>
+        </p:sp>
+      </p:grpSp>
     </p:spTree>
   </p:cSld>
   <p:clrMapOvr>
     <a:masterClrMapping/>
   </p:clrMapOvr>
-  <mc:AlternateContent xmlns:mc="http://schemas.openxmlformats.org/markup-compatibility/2006">
-    <mc:Choice xmlns:p14="http://schemas.microsoft.com/office/powerpoint/2010/main" Requires="p14">
-      <p:transition xmlns:mc="http://schemas.openxmlformats.org/markup-compatibility/2006" xmlns:p14="http://schemas.microsoft.com/office/powerpoint/2010/main" mc:Ignorable="p14" p14:dur="500"/>
-    </mc:Choice>
-    <mc:Fallback>
-      <p:transition/>
-    </mc:Fallback>
-  </mc:AlternateContent>
 </p:sld>
 </file>
 
